--- a/rapport/SoutenanceNN.pptx
+++ b/rapport/SoutenanceNN.pptx
@@ -117,6 +117,11 @@
       </a:defRPr>
     </a:lvl9pPr>
   </p:defaultTextStyle>
+  <p:extLst>
+    <p:ext uri="{EFAFB233-063F-42B5-8137-9DF3F51BA10A}">
+      <p15:sldGuideLst xmlns:p15="http://schemas.microsoft.com/office/powerpoint/2012/main"/>
+    </p:ext>
+  </p:extLst>
 </p:presentation>
 </file>
 
@@ -12687,7 +12692,7 @@
         </p:nvSpPr>
         <p:spPr>
           <a:xfrm>
-            <a:off x="352216" y="1395272"/>
+            <a:off x="260356" y="278892"/>
             <a:ext cx="3670078" cy="1009650"/>
           </a:xfrm>
         </p:spPr>
@@ -13648,7 +13653,7 @@
         </p:nvSpPr>
         <p:spPr>
           <a:xfrm>
-            <a:off x="564231" y="2577084"/>
+            <a:off x="472371" y="1202852"/>
             <a:ext cx="3943351" cy="637256"/>
           </a:xfrm>
           <a:prstGeom prst="rect">
@@ -14355,6 +14360,154 @@
               </a:rPr>
               <a:t>Input 150x150</a:t>
             </a:r>
+          </a:p>
+        </p:txBody>
+      </p:sp>
+      <p:sp>
+        <p:nvSpPr>
+          <p:cNvPr id="3" name="ZoneTexte 2">
+            <a:extLst>
+              <a:ext uri="{FF2B5EF4-FFF2-40B4-BE49-F238E27FC236}">
+                <a16:creationId xmlns:a16="http://schemas.microsoft.com/office/drawing/2014/main" id="{A360FCD3-1811-43C7-9CD8-DE3132CD9B54}"/>
+              </a:ext>
+            </a:extLst>
+          </p:cNvPr>
+          <p:cNvSpPr txBox="1"/>
+          <p:nvPr/>
+        </p:nvSpPr>
+        <p:spPr>
+          <a:xfrm>
+            <a:off x="260356" y="2377028"/>
+            <a:ext cx="3943351" cy="2255489"/>
+          </a:xfrm>
+          <a:prstGeom prst="rect">
+            <a:avLst/>
+          </a:prstGeom>
+          <a:noFill/>
+        </p:spPr>
+        <p:txBody>
+          <a:bodyPr wrap="square" rtlCol="0">
+            <a:spAutoFit/>
+          </a:bodyPr>
+          <a:lstStyle/>
+          <a:p>
+            <a:pPr>
+              <a:lnSpc>
+                <a:spcPct val="150000"/>
+              </a:lnSpc>
+            </a:pPr>
+            <a:r>
+              <a:rPr lang="fr-FR" sz="2400" b="1" dirty="0">
+                <a:solidFill>
+                  <a:schemeClr val="accent4">
+                    <a:lumMod val="60000"/>
+                    <a:lumOff val="40000"/>
+                  </a:schemeClr>
+                </a:solidFill>
+              </a:rPr>
+              <a:t>Compilation du modèle :</a:t>
+            </a:r>
+          </a:p>
+          <a:p>
+            <a:pPr marL="285750" indent="-285750">
+              <a:lnSpc>
+                <a:spcPct val="150000"/>
+              </a:lnSpc>
+              <a:buFont typeface="Wingdings" panose="05000000000000000000" pitchFamily="2" charset="2"/>
+              <a:buChar char="§"/>
+            </a:pPr>
+            <a:r>
+              <a:rPr lang="fr-FR" dirty="0">
+                <a:solidFill>
+                  <a:schemeClr val="accent4">
+                    <a:lumMod val="20000"/>
+                    <a:lumOff val="80000"/>
+                  </a:schemeClr>
+                </a:solidFill>
+              </a:rPr>
+              <a:t>Optimiseur : </a:t>
+            </a:r>
+            <a:r>
+              <a:rPr lang="fr-FR" b="1" dirty="0">
+                <a:solidFill>
+                  <a:schemeClr val="accent4">
+                    <a:lumMod val="20000"/>
+                    <a:lumOff val="80000"/>
+                  </a:schemeClr>
+                </a:solidFill>
+              </a:rPr>
+              <a:t>Adam</a:t>
+            </a:r>
+          </a:p>
+          <a:p>
+            <a:pPr marL="285750" indent="-285750">
+              <a:lnSpc>
+                <a:spcPct val="150000"/>
+              </a:lnSpc>
+              <a:buFont typeface="Wingdings" panose="05000000000000000000" pitchFamily="2" charset="2"/>
+              <a:buChar char="§"/>
+            </a:pPr>
+            <a:r>
+              <a:rPr lang="fr-FR" dirty="0">
+                <a:solidFill>
+                  <a:schemeClr val="accent4">
+                    <a:lumMod val="20000"/>
+                    <a:lumOff val="80000"/>
+                  </a:schemeClr>
+                </a:solidFill>
+              </a:rPr>
+              <a:t>Fonction de perte : </a:t>
+            </a:r>
+            <a:r>
+              <a:rPr lang="fr-FR" b="1" dirty="0">
+                <a:solidFill>
+                  <a:schemeClr val="accent4">
+                    <a:lumMod val="20000"/>
+                    <a:lumOff val="80000"/>
+                  </a:schemeClr>
+                </a:solidFill>
+              </a:rPr>
+              <a:t>Categorical Crossentropy</a:t>
+            </a:r>
+          </a:p>
+          <a:p>
+            <a:pPr marL="285750" indent="-285750">
+              <a:lnSpc>
+                <a:spcPct val="150000"/>
+              </a:lnSpc>
+              <a:buFont typeface="Wingdings" panose="05000000000000000000" pitchFamily="2" charset="2"/>
+              <a:buChar char="§"/>
+            </a:pPr>
+            <a:r>
+              <a:rPr lang="fr-FR" dirty="0">
+                <a:solidFill>
+                  <a:schemeClr val="accent4">
+                    <a:lumMod val="20000"/>
+                    <a:lumOff val="80000"/>
+                  </a:schemeClr>
+                </a:solidFill>
+              </a:rPr>
+              <a:t>Metrics : </a:t>
+            </a:r>
+            <a:r>
+              <a:rPr lang="fr-FR" b="1" dirty="0">
+                <a:solidFill>
+                  <a:schemeClr val="accent4">
+                    <a:lumMod val="20000"/>
+                    <a:lumOff val="80000"/>
+                  </a:schemeClr>
+                </a:solidFill>
+              </a:rPr>
+              <a:t>Précision</a:t>
+            </a:r>
+            <a:endParaRPr lang="fr-FR" sz="1600" b="1" dirty="0">
+              <a:solidFill>
+                <a:schemeClr val="accent4">
+                  <a:lumMod val="20000"/>
+                  <a:lumOff val="80000"/>
+                </a:schemeClr>
+              </a:solidFill>
+            </a:endParaRPr>
           </a:p>
         </p:txBody>
       </p:sp>
